--- a/Data Spark PPT.pptx
+++ b/Data Spark PPT.pptx
@@ -17,10 +17,10 @@
     <p:sldId id="264" r:id="rId11"/>
     <p:sldId id="265" r:id="rId12"/>
     <p:sldId id="261" r:id="rId13"/>
-    <p:sldId id="270" r:id="rId14"/>
-    <p:sldId id="271" r:id="rId15"/>
-    <p:sldId id="272" r:id="rId16"/>
-    <p:sldId id="273" r:id="rId17"/>
+    <p:sldId id="272" r:id="rId14"/>
+    <p:sldId id="273" r:id="rId15"/>
+    <p:sldId id="270" r:id="rId16"/>
+    <p:sldId id="271" r:id="rId17"/>
     <p:sldId id="269" r:id="rId18"/>
     <p:sldId id="274" r:id="rId19"/>
     <p:sldId id="275" r:id="rId20"/>
@@ -856,7 +856,7 @@
           <a:p>
             <a:fld id="{10875931-9F66-414F-9115-DA0106997A22}" type="datetimeFigureOut">
               <a:rPr lang="en-IN" smtClean="0"/>
-              <a:t>31-08-2024</a:t>
+              <a:t>02-09-2024</a:t>
             </a:fld>
             <a:endParaRPr lang="en-IN"/>
           </a:p>
@@ -1107,7 +1107,7 @@
           <a:p>
             <a:fld id="{10875931-9F66-414F-9115-DA0106997A22}" type="datetimeFigureOut">
               <a:rPr lang="en-IN" smtClean="0"/>
-              <a:t>31-08-2024</a:t>
+              <a:t>02-09-2024</a:t>
             </a:fld>
             <a:endParaRPr lang="en-IN"/>
           </a:p>
@@ -1421,7 +1421,7 @@
           <a:p>
             <a:fld id="{10875931-9F66-414F-9115-DA0106997A22}" type="datetimeFigureOut">
               <a:rPr lang="en-IN" smtClean="0"/>
-              <a:t>31-08-2024</a:t>
+              <a:t>02-09-2024</a:t>
             </a:fld>
             <a:endParaRPr lang="en-IN"/>
           </a:p>
@@ -1748,7 +1748,7 @@
           <a:p>
             <a:fld id="{10875931-9F66-414F-9115-DA0106997A22}" type="datetimeFigureOut">
               <a:rPr lang="en-IN" smtClean="0"/>
-              <a:t>31-08-2024</a:t>
+              <a:t>02-09-2024</a:t>
             </a:fld>
             <a:endParaRPr lang="en-IN"/>
           </a:p>
@@ -2062,7 +2062,7 @@
           <a:p>
             <a:fld id="{10875931-9F66-414F-9115-DA0106997A22}" type="datetimeFigureOut">
               <a:rPr lang="en-IN" smtClean="0"/>
-              <a:t>31-08-2024</a:t>
+              <a:t>02-09-2024</a:t>
             </a:fld>
             <a:endParaRPr lang="en-IN"/>
           </a:p>
@@ -2449,7 +2449,7 @@
           <a:p>
             <a:fld id="{10875931-9F66-414F-9115-DA0106997A22}" type="datetimeFigureOut">
               <a:rPr lang="en-IN" smtClean="0"/>
-              <a:t>31-08-2024</a:t>
+              <a:t>02-09-2024</a:t>
             </a:fld>
             <a:endParaRPr lang="en-IN"/>
           </a:p>
@@ -2619,7 +2619,7 @@
           <a:p>
             <a:fld id="{10875931-9F66-414F-9115-DA0106997A22}" type="datetimeFigureOut">
               <a:rPr lang="en-IN" smtClean="0"/>
-              <a:t>31-08-2024</a:t>
+              <a:t>02-09-2024</a:t>
             </a:fld>
             <a:endParaRPr lang="en-IN"/>
           </a:p>
@@ -2799,7 +2799,7 @@
           <a:p>
             <a:fld id="{10875931-9F66-414F-9115-DA0106997A22}" type="datetimeFigureOut">
               <a:rPr lang="en-IN" smtClean="0"/>
-              <a:t>31-08-2024</a:t>
+              <a:t>02-09-2024</a:t>
             </a:fld>
             <a:endParaRPr lang="en-IN"/>
           </a:p>
@@ -2975,7 +2975,7 @@
           <a:p>
             <a:fld id="{10875931-9F66-414F-9115-DA0106997A22}" type="datetimeFigureOut">
               <a:rPr lang="en-IN" smtClean="0"/>
-              <a:t>31-08-2024</a:t>
+              <a:t>02-09-2024</a:t>
             </a:fld>
             <a:endParaRPr lang="en-IN"/>
           </a:p>
@@ -3222,7 +3222,7 @@
           <a:p>
             <a:fld id="{10875931-9F66-414F-9115-DA0106997A22}" type="datetimeFigureOut">
               <a:rPr lang="en-IN" smtClean="0"/>
-              <a:t>31-08-2024</a:t>
+              <a:t>02-09-2024</a:t>
             </a:fld>
             <a:endParaRPr lang="en-IN"/>
           </a:p>
@@ -3454,7 +3454,7 @@
           <a:p>
             <a:fld id="{10875931-9F66-414F-9115-DA0106997A22}" type="datetimeFigureOut">
               <a:rPr lang="en-IN" smtClean="0"/>
-              <a:t>31-08-2024</a:t>
+              <a:t>02-09-2024</a:t>
             </a:fld>
             <a:endParaRPr lang="en-IN"/>
           </a:p>
@@ -3828,7 +3828,7 @@
           <a:p>
             <a:fld id="{10875931-9F66-414F-9115-DA0106997A22}" type="datetimeFigureOut">
               <a:rPr lang="en-IN" smtClean="0"/>
-              <a:t>31-08-2024</a:t>
+              <a:t>02-09-2024</a:t>
             </a:fld>
             <a:endParaRPr lang="en-IN"/>
           </a:p>
@@ -3951,7 +3951,7 @@
           <a:p>
             <a:fld id="{10875931-9F66-414F-9115-DA0106997A22}" type="datetimeFigureOut">
               <a:rPr lang="en-IN" smtClean="0"/>
-              <a:t>31-08-2024</a:t>
+              <a:t>02-09-2024</a:t>
             </a:fld>
             <a:endParaRPr lang="en-IN"/>
           </a:p>
@@ -4046,7 +4046,7 @@
           <a:p>
             <a:fld id="{10875931-9F66-414F-9115-DA0106997A22}" type="datetimeFigureOut">
               <a:rPr lang="en-IN" smtClean="0"/>
-              <a:t>31-08-2024</a:t>
+              <a:t>02-09-2024</a:t>
             </a:fld>
             <a:endParaRPr lang="en-IN"/>
           </a:p>
@@ -4301,7 +4301,7 @@
           <a:p>
             <a:fld id="{10875931-9F66-414F-9115-DA0106997A22}" type="datetimeFigureOut">
               <a:rPr lang="en-IN" smtClean="0"/>
-              <a:t>31-08-2024</a:t>
+              <a:t>02-09-2024</a:t>
             </a:fld>
             <a:endParaRPr lang="en-IN"/>
           </a:p>
@@ -4564,7 +4564,7 @@
           <a:p>
             <a:fld id="{10875931-9F66-414F-9115-DA0106997A22}" type="datetimeFigureOut">
               <a:rPr lang="en-IN" smtClean="0"/>
-              <a:t>31-08-2024</a:t>
+              <a:t>02-09-2024</a:t>
             </a:fld>
             <a:endParaRPr lang="en-IN"/>
           </a:p>
@@ -5309,7 +5309,7 @@
           <a:p>
             <a:fld id="{10875931-9F66-414F-9115-DA0106997A22}" type="datetimeFigureOut">
               <a:rPr lang="en-IN" smtClean="0"/>
-              <a:t>31-08-2024</a:t>
+              <a:t>02-09-2024</a:t>
             </a:fld>
             <a:endParaRPr lang="en-IN"/>
           </a:p>
@@ -6259,58 +6259,19 @@
           <a:chExt cx="0" cy="0"/>
         </a:xfrm>
       </p:grpSpPr>
-      <p:sp>
-        <p:nvSpPr>
-          <p:cNvPr id="2" name="Title 1">
+      <p:pic>
+        <p:nvPicPr>
+          <p:cNvPr id="4" name="Picture 3">
             <a:extLst>
               <a:ext uri="{FF2B5EF4-FFF2-40B4-BE49-F238E27FC236}">
-                <a16:creationId xmlns:a16="http://schemas.microsoft.com/office/drawing/2014/main" id="{5B7F75AC-17C7-BE28-F76F-7F4FDE8DEDFB}"/>
-              </a:ext>
-            </a:extLst>
-          </p:cNvPr>
-          <p:cNvSpPr>
-            <a:spLocks noGrp="1"/>
-          </p:cNvSpPr>
-          <p:nvPr>
-            <p:ph type="title"/>
-          </p:nvPr>
-        </p:nvSpPr>
-        <p:spPr/>
-        <p:txBody>
-          <a:bodyPr>
-            <a:normAutofit/>
-          </a:bodyPr>
-          <a:lstStyle/>
-          <a:p>
-            <a:r>
-              <a:rPr lang="en-US" sz="3200" dirty="0">
-                <a:latin typeface="Cambria" panose="02040503050406030204" pitchFamily="18" charset="0"/>
-                <a:ea typeface="Cambria" panose="02040503050406030204" pitchFamily="18" charset="0"/>
-              </a:rPr>
-              <a:t>Month wise Profit</a:t>
-            </a:r>
-            <a:endParaRPr lang="en-IN" sz="3200" dirty="0">
-              <a:latin typeface="Cambria" panose="02040503050406030204" pitchFamily="18" charset="0"/>
-              <a:ea typeface="Cambria" panose="02040503050406030204" pitchFamily="18" charset="0"/>
-            </a:endParaRPr>
-          </a:p>
-        </p:txBody>
-      </p:sp>
-      <p:pic>
-        <p:nvPicPr>
-          <p:cNvPr id="5" name="Content Placeholder 4">
-            <a:extLst>
-              <a:ext uri="{FF2B5EF4-FFF2-40B4-BE49-F238E27FC236}">
-                <a16:creationId xmlns:a16="http://schemas.microsoft.com/office/drawing/2014/main" id="{0A33D49E-541C-E4AF-7574-EDD27265F93E}"/>
+                <a16:creationId xmlns:a16="http://schemas.microsoft.com/office/drawing/2014/main" id="{B1422C7D-6736-9BB5-D0EB-FFB11B86DBE3}"/>
               </a:ext>
             </a:extLst>
           </p:cNvPr>
           <p:cNvPicPr>
-            <a:picLocks noGrp="1" noChangeAspect="1"/>
+            <a:picLocks noChangeAspect="1"/>
           </p:cNvPicPr>
-          <p:nvPr>
-            <p:ph idx="1"/>
-          </p:nvPr>
+          <p:nvPr/>
         </p:nvPicPr>
         <p:blipFill>
           <a:blip r:embed="rId2">
@@ -6326,15 +6287,18 @@
         </p:blipFill>
         <p:spPr>
           <a:xfrm>
-            <a:off x="1624549" y="1387231"/>
-            <a:ext cx="6358865" cy="4978400"/>
+            <a:off x="679937" y="1237944"/>
+            <a:ext cx="9202617" cy="4382112"/>
           </a:xfrm>
+          <a:prstGeom prst="rect">
+            <a:avLst/>
+          </a:prstGeom>
         </p:spPr>
       </p:pic>
     </p:spTree>
     <p:extLst>
       <p:ext uri="{BB962C8B-B14F-4D97-AF65-F5344CB8AC3E}">
-        <p14:creationId xmlns:p14="http://schemas.microsoft.com/office/powerpoint/2010/main" val="2957764887"/>
+        <p14:creationId xmlns:p14="http://schemas.microsoft.com/office/powerpoint/2010/main" val="159962900"/>
       </p:ext>
     </p:extLst>
   </p:cSld>
@@ -6363,10 +6327,10 @@
       </p:grpSpPr>
       <p:pic>
         <p:nvPicPr>
-          <p:cNvPr id="3" name="Picture 2">
+          <p:cNvPr id="2" name="Picture 1">
             <a:extLst>
               <a:ext uri="{FF2B5EF4-FFF2-40B4-BE49-F238E27FC236}">
-                <a16:creationId xmlns:a16="http://schemas.microsoft.com/office/drawing/2014/main" id="{59E2BDF9-3657-19CD-595C-835C45DDC1DF}"/>
+                <a16:creationId xmlns:a16="http://schemas.microsoft.com/office/drawing/2014/main" id="{BD480F7C-6AC6-3F3A-BF2F-C7A3C82A5C4B}"/>
               </a:ext>
             </a:extLst>
           </p:cNvPr>
@@ -6389,8 +6353,8 @@
         </p:blipFill>
         <p:spPr>
           <a:xfrm>
-            <a:off x="1922586" y="442495"/>
-            <a:ext cx="7385537" cy="5973009"/>
+            <a:off x="515816" y="996462"/>
+            <a:ext cx="9249508" cy="5111261"/>
           </a:xfrm>
           <a:prstGeom prst="rect">
             <a:avLst/>
@@ -6400,7 +6364,7 @@
     </p:spTree>
     <p:extLst>
       <p:ext uri="{BB962C8B-B14F-4D97-AF65-F5344CB8AC3E}">
-        <p14:creationId xmlns:p14="http://schemas.microsoft.com/office/powerpoint/2010/main" val="187319892"/>
+        <p14:creationId xmlns:p14="http://schemas.microsoft.com/office/powerpoint/2010/main" val="556477228"/>
       </p:ext>
     </p:extLst>
   </p:cSld>
@@ -6427,19 +6391,58 @@
           <a:chExt cx="0" cy="0"/>
         </a:xfrm>
       </p:grpSpPr>
+      <p:sp>
+        <p:nvSpPr>
+          <p:cNvPr id="2" name="Title 1">
+            <a:extLst>
+              <a:ext uri="{FF2B5EF4-FFF2-40B4-BE49-F238E27FC236}">
+                <a16:creationId xmlns:a16="http://schemas.microsoft.com/office/drawing/2014/main" id="{5B7F75AC-17C7-BE28-F76F-7F4FDE8DEDFB}"/>
+              </a:ext>
+            </a:extLst>
+          </p:cNvPr>
+          <p:cNvSpPr>
+            <a:spLocks noGrp="1"/>
+          </p:cNvSpPr>
+          <p:nvPr>
+            <p:ph type="title"/>
+          </p:nvPr>
+        </p:nvSpPr>
+        <p:spPr/>
+        <p:txBody>
+          <a:bodyPr>
+            <a:normAutofit/>
+          </a:bodyPr>
+          <a:lstStyle/>
+          <a:p>
+            <a:r>
+              <a:rPr lang="en-US" sz="3200" dirty="0">
+                <a:latin typeface="Cambria" panose="02040503050406030204" pitchFamily="18" charset="0"/>
+                <a:ea typeface="Cambria" panose="02040503050406030204" pitchFamily="18" charset="0"/>
+              </a:rPr>
+              <a:t>Month wise Profit</a:t>
+            </a:r>
+            <a:endParaRPr lang="en-IN" sz="3200" dirty="0">
+              <a:latin typeface="Cambria" panose="02040503050406030204" pitchFamily="18" charset="0"/>
+              <a:ea typeface="Cambria" panose="02040503050406030204" pitchFamily="18" charset="0"/>
+            </a:endParaRPr>
+          </a:p>
+        </p:txBody>
+      </p:sp>
       <p:pic>
         <p:nvPicPr>
-          <p:cNvPr id="3" name="Picture 2">
+          <p:cNvPr id="7" name="Content Placeholder 6">
             <a:extLst>
               <a:ext uri="{FF2B5EF4-FFF2-40B4-BE49-F238E27FC236}">
-                <a16:creationId xmlns:a16="http://schemas.microsoft.com/office/drawing/2014/main" id="{75690AE4-24A0-5AF5-1A91-5C3399B34028}"/>
+                <a16:creationId xmlns:a16="http://schemas.microsoft.com/office/drawing/2014/main" id="{3418B6E0-A678-2B92-98A9-FFCC5E97C62C}"/>
               </a:ext>
             </a:extLst>
           </p:cNvPr>
           <p:cNvPicPr>
-            <a:picLocks noChangeAspect="1"/>
+            <a:picLocks noGrp="1" noChangeAspect="1"/>
           </p:cNvPicPr>
-          <p:nvPr/>
+          <p:nvPr>
+            <p:ph idx="1"/>
+          </p:nvPr>
         </p:nvPicPr>
         <p:blipFill>
           <a:blip r:embed="rId2">
@@ -6455,18 +6458,15 @@
         </p:blipFill>
         <p:spPr>
           <a:xfrm>
-            <a:off x="1817078" y="171386"/>
-            <a:ext cx="7338646" cy="6163535"/>
+            <a:off x="2719754" y="1735016"/>
+            <a:ext cx="4994031" cy="4173415"/>
           </a:xfrm>
-          <a:prstGeom prst="rect">
-            <a:avLst/>
-          </a:prstGeom>
         </p:spPr>
       </p:pic>
     </p:spTree>
     <p:extLst>
       <p:ext uri="{BB962C8B-B14F-4D97-AF65-F5344CB8AC3E}">
-        <p14:creationId xmlns:p14="http://schemas.microsoft.com/office/powerpoint/2010/main" val="159962900"/>
+        <p14:creationId xmlns:p14="http://schemas.microsoft.com/office/powerpoint/2010/main" val="2957764887"/>
       </p:ext>
     </p:extLst>
   </p:cSld>
@@ -6495,10 +6495,10 @@
       </p:grpSpPr>
       <p:pic>
         <p:nvPicPr>
-          <p:cNvPr id="3" name="Picture 2">
+          <p:cNvPr id="4" name="Picture 3">
             <a:extLst>
               <a:ext uri="{FF2B5EF4-FFF2-40B4-BE49-F238E27FC236}">
-                <a16:creationId xmlns:a16="http://schemas.microsoft.com/office/drawing/2014/main" id="{F8FF5991-0184-7220-B1C0-182D1180F439}"/>
+                <a16:creationId xmlns:a16="http://schemas.microsoft.com/office/drawing/2014/main" id="{1A93C882-7AF7-9918-CFAC-9A7AAC7A9506}"/>
               </a:ext>
             </a:extLst>
           </p:cNvPr>
@@ -6521,8 +6521,8 @@
         </p:blipFill>
         <p:spPr>
           <a:xfrm>
-            <a:off x="2321169" y="1359878"/>
-            <a:ext cx="6729046" cy="3692768"/>
+            <a:off x="2602523" y="1237944"/>
+            <a:ext cx="6670431" cy="4382112"/>
           </a:xfrm>
           <a:prstGeom prst="rect">
             <a:avLst/>
@@ -6532,7 +6532,7 @@
     </p:spTree>
     <p:extLst>
       <p:ext uri="{BB962C8B-B14F-4D97-AF65-F5344CB8AC3E}">
-        <p14:creationId xmlns:p14="http://schemas.microsoft.com/office/powerpoint/2010/main" val="556477228"/>
+        <p14:creationId xmlns:p14="http://schemas.microsoft.com/office/powerpoint/2010/main" val="187319892"/>
       </p:ext>
     </p:extLst>
   </p:cSld>
@@ -6598,10 +6598,10 @@
       </p:sp>
       <p:pic>
         <p:nvPicPr>
-          <p:cNvPr id="5" name="Content Placeholder 4">
+          <p:cNvPr id="7" name="Content Placeholder 6">
             <a:extLst>
               <a:ext uri="{FF2B5EF4-FFF2-40B4-BE49-F238E27FC236}">
-                <a16:creationId xmlns:a16="http://schemas.microsoft.com/office/drawing/2014/main" id="{71E93319-AA85-61AF-F13F-55C2D714679A}"/>
+                <a16:creationId xmlns:a16="http://schemas.microsoft.com/office/drawing/2014/main" id="{6CF7952A-D464-3462-F877-47C05A6A486C}"/>
               </a:ext>
             </a:extLst>
           </p:cNvPr>
@@ -6626,8 +6626,8 @@
         </p:blipFill>
         <p:spPr>
           <a:xfrm>
-            <a:off x="1535723" y="2426677"/>
-            <a:ext cx="6318739" cy="3563815"/>
+            <a:off x="2074985" y="1641231"/>
+            <a:ext cx="5943600" cy="4771291"/>
           </a:xfrm>
         </p:spPr>
       </p:pic>

--- a/Data Spark PPT.pptx
+++ b/Data Spark PPT.pptx
@@ -856,7 +856,7 @@
           <a:p>
             <a:fld id="{10875931-9F66-414F-9115-DA0106997A22}" type="datetimeFigureOut">
               <a:rPr lang="en-IN" smtClean="0"/>
-              <a:t>02-09-2024</a:t>
+              <a:t>05-09-2024</a:t>
             </a:fld>
             <a:endParaRPr lang="en-IN"/>
           </a:p>
@@ -1107,7 +1107,7 @@
           <a:p>
             <a:fld id="{10875931-9F66-414F-9115-DA0106997A22}" type="datetimeFigureOut">
               <a:rPr lang="en-IN" smtClean="0"/>
-              <a:t>02-09-2024</a:t>
+              <a:t>05-09-2024</a:t>
             </a:fld>
             <a:endParaRPr lang="en-IN"/>
           </a:p>
@@ -1421,7 +1421,7 @@
           <a:p>
             <a:fld id="{10875931-9F66-414F-9115-DA0106997A22}" type="datetimeFigureOut">
               <a:rPr lang="en-IN" smtClean="0"/>
-              <a:t>02-09-2024</a:t>
+              <a:t>05-09-2024</a:t>
             </a:fld>
             <a:endParaRPr lang="en-IN"/>
           </a:p>
@@ -1748,7 +1748,7 @@
           <a:p>
             <a:fld id="{10875931-9F66-414F-9115-DA0106997A22}" type="datetimeFigureOut">
               <a:rPr lang="en-IN" smtClean="0"/>
-              <a:t>02-09-2024</a:t>
+              <a:t>05-09-2024</a:t>
             </a:fld>
             <a:endParaRPr lang="en-IN"/>
           </a:p>
@@ -2062,7 +2062,7 @@
           <a:p>
             <a:fld id="{10875931-9F66-414F-9115-DA0106997A22}" type="datetimeFigureOut">
               <a:rPr lang="en-IN" smtClean="0"/>
-              <a:t>02-09-2024</a:t>
+              <a:t>05-09-2024</a:t>
             </a:fld>
             <a:endParaRPr lang="en-IN"/>
           </a:p>
@@ -2449,7 +2449,7 @@
           <a:p>
             <a:fld id="{10875931-9F66-414F-9115-DA0106997A22}" type="datetimeFigureOut">
               <a:rPr lang="en-IN" smtClean="0"/>
-              <a:t>02-09-2024</a:t>
+              <a:t>05-09-2024</a:t>
             </a:fld>
             <a:endParaRPr lang="en-IN"/>
           </a:p>
@@ -2619,7 +2619,7 @@
           <a:p>
             <a:fld id="{10875931-9F66-414F-9115-DA0106997A22}" type="datetimeFigureOut">
               <a:rPr lang="en-IN" smtClean="0"/>
-              <a:t>02-09-2024</a:t>
+              <a:t>05-09-2024</a:t>
             </a:fld>
             <a:endParaRPr lang="en-IN"/>
           </a:p>
@@ -2799,7 +2799,7 @@
           <a:p>
             <a:fld id="{10875931-9F66-414F-9115-DA0106997A22}" type="datetimeFigureOut">
               <a:rPr lang="en-IN" smtClean="0"/>
-              <a:t>02-09-2024</a:t>
+              <a:t>05-09-2024</a:t>
             </a:fld>
             <a:endParaRPr lang="en-IN"/>
           </a:p>
@@ -2975,7 +2975,7 @@
           <a:p>
             <a:fld id="{10875931-9F66-414F-9115-DA0106997A22}" type="datetimeFigureOut">
               <a:rPr lang="en-IN" smtClean="0"/>
-              <a:t>02-09-2024</a:t>
+              <a:t>05-09-2024</a:t>
             </a:fld>
             <a:endParaRPr lang="en-IN"/>
           </a:p>
@@ -3222,7 +3222,7 @@
           <a:p>
             <a:fld id="{10875931-9F66-414F-9115-DA0106997A22}" type="datetimeFigureOut">
               <a:rPr lang="en-IN" smtClean="0"/>
-              <a:t>02-09-2024</a:t>
+              <a:t>05-09-2024</a:t>
             </a:fld>
             <a:endParaRPr lang="en-IN"/>
           </a:p>
@@ -3454,7 +3454,7 @@
           <a:p>
             <a:fld id="{10875931-9F66-414F-9115-DA0106997A22}" type="datetimeFigureOut">
               <a:rPr lang="en-IN" smtClean="0"/>
-              <a:t>02-09-2024</a:t>
+              <a:t>05-09-2024</a:t>
             </a:fld>
             <a:endParaRPr lang="en-IN"/>
           </a:p>
@@ -3828,7 +3828,7 @@
           <a:p>
             <a:fld id="{10875931-9F66-414F-9115-DA0106997A22}" type="datetimeFigureOut">
               <a:rPr lang="en-IN" smtClean="0"/>
-              <a:t>02-09-2024</a:t>
+              <a:t>05-09-2024</a:t>
             </a:fld>
             <a:endParaRPr lang="en-IN"/>
           </a:p>
@@ -3951,7 +3951,7 @@
           <a:p>
             <a:fld id="{10875931-9F66-414F-9115-DA0106997A22}" type="datetimeFigureOut">
               <a:rPr lang="en-IN" smtClean="0"/>
-              <a:t>02-09-2024</a:t>
+              <a:t>05-09-2024</a:t>
             </a:fld>
             <a:endParaRPr lang="en-IN"/>
           </a:p>
@@ -4046,7 +4046,7 @@
           <a:p>
             <a:fld id="{10875931-9F66-414F-9115-DA0106997A22}" type="datetimeFigureOut">
               <a:rPr lang="en-IN" smtClean="0"/>
-              <a:t>02-09-2024</a:t>
+              <a:t>05-09-2024</a:t>
             </a:fld>
             <a:endParaRPr lang="en-IN"/>
           </a:p>
@@ -4301,7 +4301,7 @@
           <a:p>
             <a:fld id="{10875931-9F66-414F-9115-DA0106997A22}" type="datetimeFigureOut">
               <a:rPr lang="en-IN" smtClean="0"/>
-              <a:t>02-09-2024</a:t>
+              <a:t>05-09-2024</a:t>
             </a:fld>
             <a:endParaRPr lang="en-IN"/>
           </a:p>
@@ -4564,7 +4564,7 @@
           <a:p>
             <a:fld id="{10875931-9F66-414F-9115-DA0106997A22}" type="datetimeFigureOut">
               <a:rPr lang="en-IN" smtClean="0"/>
-              <a:t>02-09-2024</a:t>
+              <a:t>05-09-2024</a:t>
             </a:fld>
             <a:endParaRPr lang="en-IN"/>
           </a:p>
@@ -5309,7 +5309,7 @@
           <a:p>
             <a:fld id="{10875931-9F66-414F-9115-DA0106997A22}" type="datetimeFigureOut">
               <a:rPr lang="en-IN" smtClean="0"/>
-              <a:t>02-09-2024</a:t>
+              <a:t>05-09-2024</a:t>
             </a:fld>
             <a:endParaRPr lang="en-IN"/>
           </a:p>
@@ -8014,10 +8014,10 @@
       </p:pic>
       <p:pic>
         <p:nvPicPr>
-          <p:cNvPr id="11" name="Picture 10">
+          <p:cNvPr id="15" name="Picture 14">
             <a:extLst>
               <a:ext uri="{FF2B5EF4-FFF2-40B4-BE49-F238E27FC236}">
-                <a16:creationId xmlns:a16="http://schemas.microsoft.com/office/drawing/2014/main" id="{FF1533DE-70BF-2C20-168F-31FC91EB1FB3}"/>
+                <a16:creationId xmlns:a16="http://schemas.microsoft.com/office/drawing/2014/main" id="{2783A50D-96FC-C57A-B9A3-227720A32D9D}"/>
               </a:ext>
             </a:extLst>
           </p:cNvPr>
@@ -8040,8 +8040,8 @@
         </p:blipFill>
         <p:spPr>
           <a:xfrm>
-            <a:off x="6330464" y="1443410"/>
-            <a:ext cx="2105319" cy="790685"/>
+            <a:off x="491200" y="2234096"/>
+            <a:ext cx="5163271" cy="704948"/>
           </a:xfrm>
           <a:prstGeom prst="rect">
             <a:avLst/>
@@ -8050,10 +8050,10 @@
       </p:pic>
       <p:pic>
         <p:nvPicPr>
-          <p:cNvPr id="15" name="Picture 14">
+          <p:cNvPr id="6" name="Picture 5">
             <a:extLst>
               <a:ext uri="{FF2B5EF4-FFF2-40B4-BE49-F238E27FC236}">
-                <a16:creationId xmlns:a16="http://schemas.microsoft.com/office/drawing/2014/main" id="{2783A50D-96FC-C57A-B9A3-227720A32D9D}"/>
+                <a16:creationId xmlns:a16="http://schemas.microsoft.com/office/drawing/2014/main" id="{C1C77EBD-79FE-0786-338B-9512A5AC2B1E}"/>
               </a:ext>
             </a:extLst>
           </p:cNvPr>
@@ -8076,80 +8076,8 @@
         </p:blipFill>
         <p:spPr>
           <a:xfrm>
-            <a:off x="491200" y="2415713"/>
-            <a:ext cx="5163271" cy="704948"/>
-          </a:xfrm>
-          <a:prstGeom prst="rect">
-            <a:avLst/>
-          </a:prstGeom>
-        </p:spPr>
-      </p:pic>
-      <p:pic>
-        <p:nvPicPr>
-          <p:cNvPr id="17" name="Picture 16">
-            <a:extLst>
-              <a:ext uri="{FF2B5EF4-FFF2-40B4-BE49-F238E27FC236}">
-                <a16:creationId xmlns:a16="http://schemas.microsoft.com/office/drawing/2014/main" id="{82750B59-8345-F401-BA6F-64098959E0F1}"/>
-              </a:ext>
-            </a:extLst>
-          </p:cNvPr>
-          <p:cNvPicPr>
-            <a:picLocks noChangeAspect="1"/>
-          </p:cNvPicPr>
-          <p:nvPr/>
-        </p:nvPicPr>
-        <p:blipFill>
-          <a:blip r:embed="rId5">
-            <a:extLst>
-              <a:ext uri="{28A0092B-C50C-407E-A947-70E740481C1C}">
-                <a14:useLocalDpi xmlns:a14="http://schemas.microsoft.com/office/drawing/2010/main" val="0"/>
-              </a:ext>
-            </a:extLst>
-          </a:blip>
-          <a:stretch>
-            <a:fillRect/>
-          </a:stretch>
-        </p:blipFill>
-        <p:spPr>
-          <a:xfrm>
-            <a:off x="6166341" y="2415713"/>
-            <a:ext cx="1962424" cy="847843"/>
-          </a:xfrm>
-          <a:prstGeom prst="rect">
-            <a:avLst/>
-          </a:prstGeom>
-        </p:spPr>
-      </p:pic>
-      <p:pic>
-        <p:nvPicPr>
-          <p:cNvPr id="19" name="Picture 18">
-            <a:extLst>
-              <a:ext uri="{FF2B5EF4-FFF2-40B4-BE49-F238E27FC236}">
-                <a16:creationId xmlns:a16="http://schemas.microsoft.com/office/drawing/2014/main" id="{165CE3A2-961E-D714-BDD5-6129B4505052}"/>
-              </a:ext>
-            </a:extLst>
-          </p:cNvPr>
-          <p:cNvPicPr>
-            <a:picLocks noChangeAspect="1"/>
-          </p:cNvPicPr>
-          <p:nvPr/>
-        </p:nvPicPr>
-        <p:blipFill>
-          <a:blip r:embed="rId6">
-            <a:extLst>
-              <a:ext uri="{28A0092B-C50C-407E-A947-70E740481C1C}">
-                <a14:useLocalDpi xmlns:a14="http://schemas.microsoft.com/office/drawing/2010/main" val="0"/>
-              </a:ext>
-            </a:extLst>
-          </a:blip>
-          <a:stretch>
-            <a:fillRect/>
-          </a:stretch>
-        </p:blipFill>
-        <p:spPr>
-          <a:xfrm>
-            <a:off x="2508738" y="3509323"/>
-            <a:ext cx="3821726" cy="2317046"/>
+            <a:off x="1312985" y="3067907"/>
+            <a:ext cx="7034894" cy="3345629"/>
           </a:xfrm>
           <a:prstGeom prst="rect">
             <a:avLst/>
